--- a/Presentation.pptx
+++ b/Presentation.pptx
@@ -197,7 +197,7 @@
           <a:p>
             <a:fld id="{0A9F48B1-00C0-4311-9A7D-7B7CC51AAB2E}" type="datetimeFigureOut">
               <a:rPr lang="ru-RU" smtClean="0"/>
-              <a:t>19.09.2012</a:t>
+              <a:t>22.09.2012</a:t>
             </a:fld>
             <a:endParaRPr lang="ru-RU"/>
           </a:p>
@@ -730,7 +730,7 @@
           <a:p>
             <a:fld id="{97F5B43B-569E-478F-BABF-CC503FF173B5}" type="datetimeFigureOut">
               <a:rPr lang="ru-RU" smtClean="0"/>
-              <a:t>19.09.2012</a:t>
+              <a:t>22.09.2012</a:t>
             </a:fld>
             <a:endParaRPr lang="ru-RU"/>
           </a:p>
@@ -900,7 +900,7 @@
           <a:p>
             <a:fld id="{97F5B43B-569E-478F-BABF-CC503FF173B5}" type="datetimeFigureOut">
               <a:rPr lang="ru-RU" smtClean="0"/>
-              <a:t>19.09.2012</a:t>
+              <a:t>22.09.2012</a:t>
             </a:fld>
             <a:endParaRPr lang="ru-RU"/>
           </a:p>
@@ -1080,7 +1080,7 @@
           <a:p>
             <a:fld id="{97F5B43B-569E-478F-BABF-CC503FF173B5}" type="datetimeFigureOut">
               <a:rPr lang="ru-RU" smtClean="0"/>
-              <a:t>19.09.2012</a:t>
+              <a:t>22.09.2012</a:t>
             </a:fld>
             <a:endParaRPr lang="ru-RU"/>
           </a:p>
@@ -1250,7 +1250,7 @@
           <a:p>
             <a:fld id="{97F5B43B-569E-478F-BABF-CC503FF173B5}" type="datetimeFigureOut">
               <a:rPr lang="ru-RU" smtClean="0"/>
-              <a:t>19.09.2012</a:t>
+              <a:t>22.09.2012</a:t>
             </a:fld>
             <a:endParaRPr lang="ru-RU"/>
           </a:p>
@@ -1496,7 +1496,7 @@
           <a:p>
             <a:fld id="{97F5B43B-569E-478F-BABF-CC503FF173B5}" type="datetimeFigureOut">
               <a:rPr lang="ru-RU" smtClean="0"/>
-              <a:t>19.09.2012</a:t>
+              <a:t>22.09.2012</a:t>
             </a:fld>
             <a:endParaRPr lang="ru-RU"/>
           </a:p>
@@ -1784,7 +1784,7 @@
           <a:p>
             <a:fld id="{97F5B43B-569E-478F-BABF-CC503FF173B5}" type="datetimeFigureOut">
               <a:rPr lang="ru-RU" smtClean="0"/>
-              <a:t>19.09.2012</a:t>
+              <a:t>22.09.2012</a:t>
             </a:fld>
             <a:endParaRPr lang="ru-RU"/>
           </a:p>
@@ -2206,7 +2206,7 @@
           <a:p>
             <a:fld id="{97F5B43B-569E-478F-BABF-CC503FF173B5}" type="datetimeFigureOut">
               <a:rPr lang="ru-RU" smtClean="0"/>
-              <a:t>19.09.2012</a:t>
+              <a:t>22.09.2012</a:t>
             </a:fld>
             <a:endParaRPr lang="ru-RU"/>
           </a:p>
@@ -2324,7 +2324,7 @@
           <a:p>
             <a:fld id="{97F5B43B-569E-478F-BABF-CC503FF173B5}" type="datetimeFigureOut">
               <a:rPr lang="ru-RU" smtClean="0"/>
-              <a:t>19.09.2012</a:t>
+              <a:t>22.09.2012</a:t>
             </a:fld>
             <a:endParaRPr lang="ru-RU"/>
           </a:p>
@@ -2419,7 +2419,7 @@
           <a:p>
             <a:fld id="{97F5B43B-569E-478F-BABF-CC503FF173B5}" type="datetimeFigureOut">
               <a:rPr lang="ru-RU" smtClean="0"/>
-              <a:t>19.09.2012</a:t>
+              <a:t>22.09.2012</a:t>
             </a:fld>
             <a:endParaRPr lang="ru-RU"/>
           </a:p>
@@ -2696,7 +2696,7 @@
           <a:p>
             <a:fld id="{97F5B43B-569E-478F-BABF-CC503FF173B5}" type="datetimeFigureOut">
               <a:rPr lang="ru-RU" smtClean="0"/>
-              <a:t>19.09.2012</a:t>
+              <a:t>22.09.2012</a:t>
             </a:fld>
             <a:endParaRPr lang="ru-RU"/>
           </a:p>
@@ -2949,7 +2949,7 @@
           <a:p>
             <a:fld id="{97F5B43B-569E-478F-BABF-CC503FF173B5}" type="datetimeFigureOut">
               <a:rPr lang="ru-RU" smtClean="0"/>
-              <a:t>19.09.2012</a:t>
+              <a:t>22.09.2012</a:t>
             </a:fld>
             <a:endParaRPr lang="ru-RU"/>
           </a:p>
@@ -3162,7 +3162,7 @@
           <a:p>
             <a:fld id="{97F5B43B-569E-478F-BABF-CC503FF173B5}" type="datetimeFigureOut">
               <a:rPr lang="ru-RU" smtClean="0"/>
-              <a:t>19.09.2012</a:t>
+              <a:t>22.09.2012</a:t>
             </a:fld>
             <a:endParaRPr lang="ru-RU"/>
           </a:p>
@@ -3883,8 +3883,8 @@
         </p:blipFill>
         <p:spPr>
           <a:xfrm>
-            <a:off x="0" y="4514097"/>
-            <a:ext cx="9144000" cy="2443295"/>
+            <a:off x="0" y="4221088"/>
+            <a:ext cx="9144000" cy="2736305"/>
           </a:xfrm>
           <a:prstGeom prst="rect">
             <a:avLst/>
@@ -3911,7 +3911,7 @@
                 <a:latin typeface="Arial" pitchFamily="34" charset="0"/>
                 <a:cs typeface="Arial" pitchFamily="34" charset="0"/>
               </a:rPr>
-              <a:t>Выбор темы</a:t>
+              <a:t>Тема</a:t>
             </a:r>
             <a:endParaRPr lang="ru-RU" dirty="0">
               <a:latin typeface="Arial" pitchFamily="34" charset="0"/>
@@ -3940,48 +3940,24 @@
           <a:bodyPr/>
           <a:lstStyle/>
           <a:p>
+            <a:pPr marL="0" indent="0">
+              <a:buNone/>
+            </a:pPr>
+            <a:endParaRPr lang="ru-RU" dirty="0" smtClean="0">
+              <a:latin typeface="Arial" pitchFamily="34" charset="0"/>
+              <a:cs typeface="Arial" pitchFamily="34" charset="0"/>
+            </a:endParaRPr>
+          </a:p>
+          <a:p>
+            <a:pPr marL="0" indent="0">
+              <a:buNone/>
+            </a:pPr>
             <a:r>
               <a:rPr lang="ru-RU" dirty="0" smtClean="0">
                 <a:latin typeface="Arial" pitchFamily="34" charset="0"/>
                 <a:cs typeface="Arial" pitchFamily="34" charset="0"/>
               </a:rPr>
-              <a:t>Интерес к теме</a:t>
-            </a:r>
-          </a:p>
-          <a:p>
-            <a:r>
-              <a:rPr lang="ru-RU" dirty="0" smtClean="0">
-                <a:latin typeface="Arial" pitchFamily="34" charset="0"/>
-                <a:cs typeface="Arial" pitchFamily="34" charset="0"/>
-              </a:rPr>
-              <a:t>Популярность темы (трафик)</a:t>
-            </a:r>
-          </a:p>
-          <a:p>
-            <a:r>
-              <a:rPr lang="ru-RU" dirty="0" smtClean="0">
-                <a:latin typeface="Arial" pitchFamily="34" charset="0"/>
-                <a:cs typeface="Arial" pitchFamily="34" charset="0"/>
-              </a:rPr>
-              <a:t>Конкуренция</a:t>
-            </a:r>
-          </a:p>
-          <a:p>
-            <a:r>
-              <a:rPr lang="ru-RU" dirty="0" smtClean="0">
-                <a:latin typeface="Arial" pitchFamily="34" charset="0"/>
-                <a:cs typeface="Arial" pitchFamily="34" charset="0"/>
-              </a:rPr>
-              <a:t>Прибыльность	</a:t>
-            </a:r>
-          </a:p>
-          <a:p>
-            <a:r>
-              <a:rPr lang="ru-RU" dirty="0" smtClean="0">
-                <a:latin typeface="Arial" pitchFamily="34" charset="0"/>
-                <a:cs typeface="Arial" pitchFamily="34" charset="0"/>
-              </a:rPr>
-              <a:t>Актуальность</a:t>
+              <a:t>Веб-приложение, посвященное размещению объявлений о покупке, продаже и аренде недвижимости.</a:t>
             </a:r>
             <a:endParaRPr lang="ru-RU" dirty="0" smtClean="0">
               <a:latin typeface="Arial" pitchFamily="34" charset="0"/>
@@ -4401,10 +4377,6 @@
               </a:rPr>
               <a:t>Валидация вводимых данных</a:t>
             </a:r>
-            <a:endParaRPr lang="ru-RU" sz="2800" dirty="0" smtClean="0">
-              <a:latin typeface="Arial" pitchFamily="34" charset="0"/>
-              <a:cs typeface="Arial" pitchFamily="34" charset="0"/>
-            </a:endParaRPr>
           </a:p>
         </p:txBody>
       </p:sp>

--- a/Presentation.pptx
+++ b/Presentation.pptx
@@ -197,7 +197,7 @@
           <a:p>
             <a:fld id="{0A9F48B1-00C0-4311-9A7D-7B7CC51AAB2E}" type="datetimeFigureOut">
               <a:rPr lang="ru-RU" smtClean="0"/>
-              <a:t>22.09.2012</a:t>
+              <a:t>24.09.2012</a:t>
             </a:fld>
             <a:endParaRPr lang="ru-RU"/>
           </a:p>
@@ -730,7 +730,7 @@
           <a:p>
             <a:fld id="{97F5B43B-569E-478F-BABF-CC503FF173B5}" type="datetimeFigureOut">
               <a:rPr lang="ru-RU" smtClean="0"/>
-              <a:t>22.09.2012</a:t>
+              <a:t>24.09.2012</a:t>
             </a:fld>
             <a:endParaRPr lang="ru-RU"/>
           </a:p>
@@ -900,7 +900,7 @@
           <a:p>
             <a:fld id="{97F5B43B-569E-478F-BABF-CC503FF173B5}" type="datetimeFigureOut">
               <a:rPr lang="ru-RU" smtClean="0"/>
-              <a:t>22.09.2012</a:t>
+              <a:t>24.09.2012</a:t>
             </a:fld>
             <a:endParaRPr lang="ru-RU"/>
           </a:p>
@@ -1080,7 +1080,7 @@
           <a:p>
             <a:fld id="{97F5B43B-569E-478F-BABF-CC503FF173B5}" type="datetimeFigureOut">
               <a:rPr lang="ru-RU" smtClean="0"/>
-              <a:t>22.09.2012</a:t>
+              <a:t>24.09.2012</a:t>
             </a:fld>
             <a:endParaRPr lang="ru-RU"/>
           </a:p>
@@ -1250,7 +1250,7 @@
           <a:p>
             <a:fld id="{97F5B43B-569E-478F-BABF-CC503FF173B5}" type="datetimeFigureOut">
               <a:rPr lang="ru-RU" smtClean="0"/>
-              <a:t>22.09.2012</a:t>
+              <a:t>24.09.2012</a:t>
             </a:fld>
             <a:endParaRPr lang="ru-RU"/>
           </a:p>
@@ -1496,7 +1496,7 @@
           <a:p>
             <a:fld id="{97F5B43B-569E-478F-BABF-CC503FF173B5}" type="datetimeFigureOut">
               <a:rPr lang="ru-RU" smtClean="0"/>
-              <a:t>22.09.2012</a:t>
+              <a:t>24.09.2012</a:t>
             </a:fld>
             <a:endParaRPr lang="ru-RU"/>
           </a:p>
@@ -1784,7 +1784,7 @@
           <a:p>
             <a:fld id="{97F5B43B-569E-478F-BABF-CC503FF173B5}" type="datetimeFigureOut">
               <a:rPr lang="ru-RU" smtClean="0"/>
-              <a:t>22.09.2012</a:t>
+              <a:t>24.09.2012</a:t>
             </a:fld>
             <a:endParaRPr lang="ru-RU"/>
           </a:p>
@@ -2206,7 +2206,7 @@
           <a:p>
             <a:fld id="{97F5B43B-569E-478F-BABF-CC503FF173B5}" type="datetimeFigureOut">
               <a:rPr lang="ru-RU" smtClean="0"/>
-              <a:t>22.09.2012</a:t>
+              <a:t>24.09.2012</a:t>
             </a:fld>
             <a:endParaRPr lang="ru-RU"/>
           </a:p>
@@ -2324,7 +2324,7 @@
           <a:p>
             <a:fld id="{97F5B43B-569E-478F-BABF-CC503FF173B5}" type="datetimeFigureOut">
               <a:rPr lang="ru-RU" smtClean="0"/>
-              <a:t>22.09.2012</a:t>
+              <a:t>24.09.2012</a:t>
             </a:fld>
             <a:endParaRPr lang="ru-RU"/>
           </a:p>
@@ -2419,7 +2419,7 @@
           <a:p>
             <a:fld id="{97F5B43B-569E-478F-BABF-CC503FF173B5}" type="datetimeFigureOut">
               <a:rPr lang="ru-RU" smtClean="0"/>
-              <a:t>22.09.2012</a:t>
+              <a:t>24.09.2012</a:t>
             </a:fld>
             <a:endParaRPr lang="ru-RU"/>
           </a:p>
@@ -2696,7 +2696,7 @@
           <a:p>
             <a:fld id="{97F5B43B-569E-478F-BABF-CC503FF173B5}" type="datetimeFigureOut">
               <a:rPr lang="ru-RU" smtClean="0"/>
-              <a:t>22.09.2012</a:t>
+              <a:t>24.09.2012</a:t>
             </a:fld>
             <a:endParaRPr lang="ru-RU"/>
           </a:p>
@@ -2949,7 +2949,7 @@
           <a:p>
             <a:fld id="{97F5B43B-569E-478F-BABF-CC503FF173B5}" type="datetimeFigureOut">
               <a:rPr lang="ru-RU" smtClean="0"/>
-              <a:t>22.09.2012</a:t>
+              <a:t>24.09.2012</a:t>
             </a:fld>
             <a:endParaRPr lang="ru-RU"/>
           </a:p>
@@ -3162,7 +3162,7 @@
           <a:p>
             <a:fld id="{97F5B43B-569E-478F-BABF-CC503FF173B5}" type="datetimeFigureOut">
               <a:rPr lang="ru-RU" smtClean="0"/>
-              <a:t>22.09.2012</a:t>
+              <a:t>24.09.2012</a:t>
             </a:fld>
             <a:endParaRPr lang="ru-RU"/>
           </a:p>
@@ -3959,10 +3959,6 @@
               </a:rPr>
               <a:t>Веб-приложение, посвященное размещению объявлений о покупке, продаже и аренде недвижимости.</a:t>
             </a:r>
-            <a:endParaRPr lang="ru-RU" dirty="0" smtClean="0">
-              <a:latin typeface="Arial" pitchFamily="34" charset="0"/>
-              <a:cs typeface="Arial" pitchFamily="34" charset="0"/>
-            </a:endParaRPr>
           </a:p>
         </p:txBody>
       </p:sp>
@@ -4818,7 +4814,21 @@
                 <a:latin typeface="Arial" pitchFamily="34" charset="0"/>
                 <a:cs typeface="Arial" pitchFamily="34" charset="0"/>
               </a:rPr>
-              <a:t>JUnit, Spring, Validation, GitHub</a:t>
+              <a:t>JUnit, </a:t>
+            </a:r>
+            <a:r>
+              <a:rPr lang="en-US" sz="2800" dirty="0" smtClean="0">
+                <a:latin typeface="Arial" pitchFamily="34" charset="0"/>
+                <a:cs typeface="Arial" pitchFamily="34" charset="0"/>
+              </a:rPr>
+              <a:t>Spring, </a:t>
+            </a:r>
+            <a:r>
+              <a:rPr lang="en-US" sz="2800" dirty="0">
+                <a:latin typeface="Arial" pitchFamily="34" charset="0"/>
+                <a:cs typeface="Arial" pitchFamily="34" charset="0"/>
+              </a:rPr>
+              <a:t>GitHub</a:t>
             </a:r>
             <a:endParaRPr lang="ru-RU" sz="2800" dirty="0">
               <a:latin typeface="Arial" pitchFamily="34" charset="0"/>

--- a/Presentation.pptx
+++ b/Presentation.pptx
@@ -197,7 +197,7 @@
           <a:p>
             <a:fld id="{0A9F48B1-00C0-4311-9A7D-7B7CC51AAB2E}" type="datetimeFigureOut">
               <a:rPr lang="ru-RU" smtClean="0"/>
-              <a:t>24.09.2012</a:t>
+              <a:t>26.09.2012</a:t>
             </a:fld>
             <a:endParaRPr lang="ru-RU"/>
           </a:p>
@@ -730,7 +730,7 @@
           <a:p>
             <a:fld id="{97F5B43B-569E-478F-BABF-CC503FF173B5}" type="datetimeFigureOut">
               <a:rPr lang="ru-RU" smtClean="0"/>
-              <a:t>24.09.2012</a:t>
+              <a:t>26.09.2012</a:t>
             </a:fld>
             <a:endParaRPr lang="ru-RU"/>
           </a:p>
@@ -900,7 +900,7 @@
           <a:p>
             <a:fld id="{97F5B43B-569E-478F-BABF-CC503FF173B5}" type="datetimeFigureOut">
               <a:rPr lang="ru-RU" smtClean="0"/>
-              <a:t>24.09.2012</a:t>
+              <a:t>26.09.2012</a:t>
             </a:fld>
             <a:endParaRPr lang="ru-RU"/>
           </a:p>
@@ -1080,7 +1080,7 @@
           <a:p>
             <a:fld id="{97F5B43B-569E-478F-BABF-CC503FF173B5}" type="datetimeFigureOut">
               <a:rPr lang="ru-RU" smtClean="0"/>
-              <a:t>24.09.2012</a:t>
+              <a:t>26.09.2012</a:t>
             </a:fld>
             <a:endParaRPr lang="ru-RU"/>
           </a:p>
@@ -1250,7 +1250,7 @@
           <a:p>
             <a:fld id="{97F5B43B-569E-478F-BABF-CC503FF173B5}" type="datetimeFigureOut">
               <a:rPr lang="ru-RU" smtClean="0"/>
-              <a:t>24.09.2012</a:t>
+              <a:t>26.09.2012</a:t>
             </a:fld>
             <a:endParaRPr lang="ru-RU"/>
           </a:p>
@@ -1496,7 +1496,7 @@
           <a:p>
             <a:fld id="{97F5B43B-569E-478F-BABF-CC503FF173B5}" type="datetimeFigureOut">
               <a:rPr lang="ru-RU" smtClean="0"/>
-              <a:t>24.09.2012</a:t>
+              <a:t>26.09.2012</a:t>
             </a:fld>
             <a:endParaRPr lang="ru-RU"/>
           </a:p>
@@ -1784,7 +1784,7 @@
           <a:p>
             <a:fld id="{97F5B43B-569E-478F-BABF-CC503FF173B5}" type="datetimeFigureOut">
               <a:rPr lang="ru-RU" smtClean="0"/>
-              <a:t>24.09.2012</a:t>
+              <a:t>26.09.2012</a:t>
             </a:fld>
             <a:endParaRPr lang="ru-RU"/>
           </a:p>
@@ -2206,7 +2206,7 @@
           <a:p>
             <a:fld id="{97F5B43B-569E-478F-BABF-CC503FF173B5}" type="datetimeFigureOut">
               <a:rPr lang="ru-RU" smtClean="0"/>
-              <a:t>24.09.2012</a:t>
+              <a:t>26.09.2012</a:t>
             </a:fld>
             <a:endParaRPr lang="ru-RU"/>
           </a:p>
@@ -2324,7 +2324,7 @@
           <a:p>
             <a:fld id="{97F5B43B-569E-478F-BABF-CC503FF173B5}" type="datetimeFigureOut">
               <a:rPr lang="ru-RU" smtClean="0"/>
-              <a:t>24.09.2012</a:t>
+              <a:t>26.09.2012</a:t>
             </a:fld>
             <a:endParaRPr lang="ru-RU"/>
           </a:p>
@@ -2419,7 +2419,7 @@
           <a:p>
             <a:fld id="{97F5B43B-569E-478F-BABF-CC503FF173B5}" type="datetimeFigureOut">
               <a:rPr lang="ru-RU" smtClean="0"/>
-              <a:t>24.09.2012</a:t>
+              <a:t>26.09.2012</a:t>
             </a:fld>
             <a:endParaRPr lang="ru-RU"/>
           </a:p>
@@ -2696,7 +2696,7 @@
           <a:p>
             <a:fld id="{97F5B43B-569E-478F-BABF-CC503FF173B5}" type="datetimeFigureOut">
               <a:rPr lang="ru-RU" smtClean="0"/>
-              <a:t>24.09.2012</a:t>
+              <a:t>26.09.2012</a:t>
             </a:fld>
             <a:endParaRPr lang="ru-RU"/>
           </a:p>
@@ -2949,7 +2949,7 @@
           <a:p>
             <a:fld id="{97F5B43B-569E-478F-BABF-CC503FF173B5}" type="datetimeFigureOut">
               <a:rPr lang="ru-RU" smtClean="0"/>
-              <a:t>24.09.2012</a:t>
+              <a:t>26.09.2012</a:t>
             </a:fld>
             <a:endParaRPr lang="ru-RU"/>
           </a:p>
@@ -3162,7 +3162,7 @@
           <a:p>
             <a:fld id="{97F5B43B-569E-478F-BABF-CC503FF173B5}" type="datetimeFigureOut">
               <a:rPr lang="ru-RU" smtClean="0"/>
-              <a:t>24.09.2012</a:t>
+              <a:t>26.09.2012</a:t>
             </a:fld>
             <a:endParaRPr lang="ru-RU"/>
           </a:p>
@@ -5027,7 +5027,7 @@
         </p:blipFill>
         <p:spPr bwMode="auto">
           <a:xfrm>
-            <a:off x="971600" y="1203958"/>
+            <a:off x="899592" y="1079593"/>
             <a:ext cx="7323435" cy="5393394"/>
           </a:xfrm>
           <a:prstGeom prst="rect">
@@ -5120,8 +5120,38 @@
         </p:blipFill>
         <p:spPr>
           <a:xfrm>
-            <a:off x="0" y="4514097"/>
-            <a:ext cx="9144000" cy="2343903"/>
+            <a:off x="0" y="5733256"/>
+            <a:ext cx="9144000" cy="1124745"/>
+          </a:xfrm>
+          <a:prstGeom prst="rect">
+            <a:avLst/>
+          </a:prstGeom>
+        </p:spPr>
+      </p:pic>
+      <p:pic>
+        <p:nvPicPr>
+          <p:cNvPr id="8" name="Рисунок 7"/>
+          <p:cNvPicPr>
+            <a:picLocks noChangeAspect="1"/>
+          </p:cNvPicPr>
+          <p:nvPr/>
+        </p:nvPicPr>
+        <p:blipFill>
+          <a:blip r:embed="rId3">
+            <a:extLst>
+              <a:ext uri="{28A0092B-C50C-407E-A947-70E740481C1C}">
+                <a14:useLocalDpi xmlns:a14="http://schemas.microsoft.com/office/drawing/2010/main" val="0"/>
+              </a:ext>
+            </a:extLst>
+          </a:blip>
+          <a:stretch>
+            <a:fillRect/>
+          </a:stretch>
+        </p:blipFill>
+        <p:spPr>
+          <a:xfrm>
+            <a:off x="864491" y="1075942"/>
+            <a:ext cx="7235901" cy="4783925"/>
           </a:xfrm>
           <a:prstGeom prst="rect">
             <a:avLst/>
@@ -5171,7 +5201,7 @@
           <p:nvPr/>
         </p:nvPicPr>
         <p:blipFill>
-          <a:blip r:embed="rId3" cstate="print">
+          <a:blip r:embed="rId4" cstate="print">
             <a:extLst>
               <a:ext uri="{28A0092B-C50C-407E-A947-70E740481C1C}">
                 <a14:useLocalDpi xmlns:a14="http://schemas.microsoft.com/office/drawing/2010/main" val="0"/>
@@ -5201,7 +5231,7 @@
           <p:nvPr/>
         </p:nvPicPr>
         <p:blipFill>
-          <a:blip r:embed="rId4">
+          <a:blip r:embed="rId5">
             <a:extLst>
               <a:ext uri="{28A0092B-C50C-407E-A947-70E740481C1C}">
                 <a14:useLocalDpi xmlns:a14="http://schemas.microsoft.com/office/drawing/2010/main" val="0"/>
@@ -5216,36 +5246,6 @@
           <a:xfrm>
             <a:off x="7181546" y="404664"/>
             <a:ext cx="1566918" cy="522305"/>
-          </a:xfrm>
-          <a:prstGeom prst="rect">
-            <a:avLst/>
-          </a:prstGeom>
-        </p:spPr>
-      </p:pic>
-      <p:pic>
-        <p:nvPicPr>
-          <p:cNvPr id="15" name="Рисунок 14"/>
-          <p:cNvPicPr>
-            <a:picLocks noChangeAspect="1"/>
-          </p:cNvPicPr>
-          <p:nvPr/>
-        </p:nvPicPr>
-        <p:blipFill>
-          <a:blip r:embed="rId5">
-            <a:extLst>
-              <a:ext uri="{28A0092B-C50C-407E-A947-70E740481C1C}">
-                <a14:useLocalDpi xmlns:a14="http://schemas.microsoft.com/office/drawing/2010/main" val="0"/>
-              </a:ext>
-            </a:extLst>
-          </a:blip>
-          <a:stretch>
-            <a:fillRect/>
-          </a:stretch>
-        </p:blipFill>
-        <p:spPr>
-          <a:xfrm>
-            <a:off x="1115616" y="1268760"/>
-            <a:ext cx="6551302" cy="4536504"/>
           </a:xfrm>
           <a:prstGeom prst="rect">
             <a:avLst/>

--- a/Presentation.pptx
+++ b/Presentation.pptx
@@ -197,7 +197,7 @@
           <a:p>
             <a:fld id="{0A9F48B1-00C0-4311-9A7D-7B7CC51AAB2E}" type="datetimeFigureOut">
               <a:rPr lang="ru-RU" smtClean="0"/>
-              <a:t>26.09.2012</a:t>
+              <a:t>29.09.2012</a:t>
             </a:fld>
             <a:endParaRPr lang="ru-RU"/>
           </a:p>
@@ -549,6 +549,90 @@
 </p:notes>
 </file>
 
+<file path=ppt/notesSlides/notesSlide2.xml><?xml version="1.0" encoding="utf-8"?>
+<p:notes xmlns:a="http://schemas.openxmlformats.org/drawingml/2006/main" xmlns:r="http://schemas.openxmlformats.org/officeDocument/2006/relationships" xmlns:p="http://schemas.openxmlformats.org/presentationml/2006/main">
+  <p:cSld>
+    <p:spTree>
+      <p:nvGrpSpPr>
+        <p:cNvPr id="1" name=""/>
+        <p:cNvGrpSpPr/>
+        <p:nvPr/>
+      </p:nvGrpSpPr>
+      <p:grpSpPr>
+        <a:xfrm>
+          <a:off x="0" y="0"/>
+          <a:ext cx="0" cy="0"/>
+          <a:chOff x="0" y="0"/>
+          <a:chExt cx="0" cy="0"/>
+        </a:xfrm>
+      </p:grpSpPr>
+      <p:sp>
+        <p:nvSpPr>
+          <p:cNvPr id="2" name="Образ слайда 1"/>
+          <p:cNvSpPr>
+            <a:spLocks noGrp="1" noRot="1" noChangeAspect="1"/>
+          </p:cNvSpPr>
+          <p:nvPr>
+            <p:ph type="sldImg"/>
+          </p:nvPr>
+        </p:nvSpPr>
+        <p:spPr/>
+      </p:sp>
+      <p:sp>
+        <p:nvSpPr>
+          <p:cNvPr id="3" name="Заметки 2"/>
+          <p:cNvSpPr>
+            <a:spLocks noGrp="1"/>
+          </p:cNvSpPr>
+          <p:nvPr>
+            <p:ph type="body" idx="1"/>
+          </p:nvPr>
+        </p:nvSpPr>
+        <p:spPr/>
+        <p:txBody>
+          <a:bodyPr/>
+          <a:lstStyle/>
+          <a:p>
+            <a:endParaRPr lang="ru-RU" dirty="0"/>
+          </a:p>
+        </p:txBody>
+      </p:sp>
+      <p:sp>
+        <p:nvSpPr>
+          <p:cNvPr id="4" name="Номер слайда 3"/>
+          <p:cNvSpPr>
+            <a:spLocks noGrp="1"/>
+          </p:cNvSpPr>
+          <p:nvPr>
+            <p:ph type="sldNum" sz="quarter" idx="10"/>
+          </p:nvPr>
+        </p:nvSpPr>
+        <p:spPr/>
+        <p:txBody>
+          <a:bodyPr/>
+          <a:lstStyle/>
+          <a:p>
+            <a:fld id="{102540F6-930F-4D06-A90B-8075048586F4}" type="slidenum">
+              <a:rPr lang="ru-RU" smtClean="0"/>
+              <a:t>5</a:t>
+            </a:fld>
+            <a:endParaRPr lang="ru-RU"/>
+          </a:p>
+        </p:txBody>
+      </p:sp>
+    </p:spTree>
+    <p:extLst>
+      <p:ext uri="{BB962C8B-B14F-4D97-AF65-F5344CB8AC3E}">
+        <p14:creationId xmlns:p14="http://schemas.microsoft.com/office/powerpoint/2010/main" val="1868502551"/>
+      </p:ext>
+    </p:extLst>
+  </p:cSld>
+  <p:clrMapOvr>
+    <a:masterClrMapping/>
+  </p:clrMapOvr>
+</p:notes>
+</file>
+
 <file path=ppt/slideLayouts/slideLayout1.xml><?xml version="1.0" encoding="utf-8"?>
 <p:sldLayout xmlns:a="http://schemas.openxmlformats.org/drawingml/2006/main" xmlns:r="http://schemas.openxmlformats.org/officeDocument/2006/relationships" xmlns:p="http://schemas.openxmlformats.org/presentationml/2006/main" type="title" preserve="1">
   <p:cSld name="Титульный слайд">
@@ -730,7 +814,7 @@
           <a:p>
             <a:fld id="{97F5B43B-569E-478F-BABF-CC503FF173B5}" type="datetimeFigureOut">
               <a:rPr lang="ru-RU" smtClean="0"/>
-              <a:t>26.09.2012</a:t>
+              <a:t>29.09.2012</a:t>
             </a:fld>
             <a:endParaRPr lang="ru-RU"/>
           </a:p>
@@ -900,7 +984,7 @@
           <a:p>
             <a:fld id="{97F5B43B-569E-478F-BABF-CC503FF173B5}" type="datetimeFigureOut">
               <a:rPr lang="ru-RU" smtClean="0"/>
-              <a:t>26.09.2012</a:t>
+              <a:t>29.09.2012</a:t>
             </a:fld>
             <a:endParaRPr lang="ru-RU"/>
           </a:p>
@@ -1080,7 +1164,7 @@
           <a:p>
             <a:fld id="{97F5B43B-569E-478F-BABF-CC503FF173B5}" type="datetimeFigureOut">
               <a:rPr lang="ru-RU" smtClean="0"/>
-              <a:t>26.09.2012</a:t>
+              <a:t>29.09.2012</a:t>
             </a:fld>
             <a:endParaRPr lang="ru-RU"/>
           </a:p>
@@ -1250,7 +1334,7 @@
           <a:p>
             <a:fld id="{97F5B43B-569E-478F-BABF-CC503FF173B5}" type="datetimeFigureOut">
               <a:rPr lang="ru-RU" smtClean="0"/>
-              <a:t>26.09.2012</a:t>
+              <a:t>29.09.2012</a:t>
             </a:fld>
             <a:endParaRPr lang="ru-RU"/>
           </a:p>
@@ -1496,7 +1580,7 @@
           <a:p>
             <a:fld id="{97F5B43B-569E-478F-BABF-CC503FF173B5}" type="datetimeFigureOut">
               <a:rPr lang="ru-RU" smtClean="0"/>
-              <a:t>26.09.2012</a:t>
+              <a:t>29.09.2012</a:t>
             </a:fld>
             <a:endParaRPr lang="ru-RU"/>
           </a:p>
@@ -1784,7 +1868,7 @@
           <a:p>
             <a:fld id="{97F5B43B-569E-478F-BABF-CC503FF173B5}" type="datetimeFigureOut">
               <a:rPr lang="ru-RU" smtClean="0"/>
-              <a:t>26.09.2012</a:t>
+              <a:t>29.09.2012</a:t>
             </a:fld>
             <a:endParaRPr lang="ru-RU"/>
           </a:p>
@@ -2206,7 +2290,7 @@
           <a:p>
             <a:fld id="{97F5B43B-569E-478F-BABF-CC503FF173B5}" type="datetimeFigureOut">
               <a:rPr lang="ru-RU" smtClean="0"/>
-              <a:t>26.09.2012</a:t>
+              <a:t>29.09.2012</a:t>
             </a:fld>
             <a:endParaRPr lang="ru-RU"/>
           </a:p>
@@ -2324,7 +2408,7 @@
           <a:p>
             <a:fld id="{97F5B43B-569E-478F-BABF-CC503FF173B5}" type="datetimeFigureOut">
               <a:rPr lang="ru-RU" smtClean="0"/>
-              <a:t>26.09.2012</a:t>
+              <a:t>29.09.2012</a:t>
             </a:fld>
             <a:endParaRPr lang="ru-RU"/>
           </a:p>
@@ -2419,7 +2503,7 @@
           <a:p>
             <a:fld id="{97F5B43B-569E-478F-BABF-CC503FF173B5}" type="datetimeFigureOut">
               <a:rPr lang="ru-RU" smtClean="0"/>
-              <a:t>26.09.2012</a:t>
+              <a:t>29.09.2012</a:t>
             </a:fld>
             <a:endParaRPr lang="ru-RU"/>
           </a:p>
@@ -2696,7 +2780,7 @@
           <a:p>
             <a:fld id="{97F5B43B-569E-478F-BABF-CC503FF173B5}" type="datetimeFigureOut">
               <a:rPr lang="ru-RU" smtClean="0"/>
-              <a:t>26.09.2012</a:t>
+              <a:t>29.09.2012</a:t>
             </a:fld>
             <a:endParaRPr lang="ru-RU"/>
           </a:p>
@@ -2949,7 +3033,7 @@
           <a:p>
             <a:fld id="{97F5B43B-569E-478F-BABF-CC503FF173B5}" type="datetimeFigureOut">
               <a:rPr lang="ru-RU" smtClean="0"/>
-              <a:t>26.09.2012</a:t>
+              <a:t>29.09.2012</a:t>
             </a:fld>
             <a:endParaRPr lang="ru-RU"/>
           </a:p>
@@ -3162,7 +3246,7 @@
           <a:p>
             <a:fld id="{97F5B43B-569E-478F-BABF-CC503FF173B5}" type="datetimeFigureOut">
               <a:rPr lang="ru-RU" smtClean="0"/>
-              <a:t>26.09.2012</a:t>
+              <a:t>29.09.2012</a:t>
             </a:fld>
             <a:endParaRPr lang="ru-RU"/>
           </a:p>
@@ -4782,22 +4866,19 @@
                 <a:latin typeface="Arial" pitchFamily="34" charset="0"/>
                 <a:cs typeface="Arial" pitchFamily="34" charset="0"/>
               </a:rPr>
-              <a:t>MySQL, JavaScript</a:t>
-            </a:r>
-            <a:r>
-              <a:rPr lang="en-US" sz="2800" dirty="0">
-                <a:latin typeface="Arial" pitchFamily="34" charset="0"/>
-                <a:cs typeface="Arial" pitchFamily="34" charset="0"/>
-              </a:rPr>
-              <a:t>, </a:t>
+              <a:t>MySQL, </a:t>
             </a:r>
             <a:r>
               <a:rPr lang="en-US" sz="2800" dirty="0" smtClean="0">
                 <a:latin typeface="Arial" pitchFamily="34" charset="0"/>
                 <a:cs typeface="Arial" pitchFamily="34" charset="0"/>
               </a:rPr>
-              <a:t>EL</a:t>
-            </a:r>
+              <a:t>JavaScript</a:t>
+            </a:r>
+            <a:endParaRPr lang="en-US" sz="2800" dirty="0" smtClean="0">
+              <a:latin typeface="Arial" pitchFamily="34" charset="0"/>
+              <a:cs typeface="Arial" pitchFamily="34" charset="0"/>
+            </a:endParaRPr>
           </a:p>
           <a:p>
             <a:r>
@@ -4899,7 +4980,7 @@
           </p:nvPr>
         </p:nvPicPr>
         <p:blipFill>
-          <a:blip r:embed="rId2">
+          <a:blip r:embed="rId3">
             <a:extLst>
               <a:ext uri="{28A0092B-C50C-407E-A947-70E740481C1C}">
                 <a14:useLocalDpi xmlns:a14="http://schemas.microsoft.com/office/drawing/2010/main" val="0"/>
@@ -4955,7 +5036,7 @@
           <p:nvPr/>
         </p:nvPicPr>
         <p:blipFill>
-          <a:blip r:embed="rId3" cstate="print">
+          <a:blip r:embed="rId4" cstate="print">
             <a:extLst>
               <a:ext uri="{28A0092B-C50C-407E-A947-70E740481C1C}">
                 <a14:useLocalDpi xmlns:a14="http://schemas.microsoft.com/office/drawing/2010/main" val="0"/>
@@ -4985,7 +5066,7 @@
           <p:nvPr/>
         </p:nvPicPr>
         <p:blipFill>
-          <a:blip r:embed="rId4">
+          <a:blip r:embed="rId5">
             <a:extLst>
               <a:ext uri="{28A0092B-C50C-407E-A947-70E740481C1C}">
                 <a14:useLocalDpi xmlns:a14="http://schemas.microsoft.com/office/drawing/2010/main" val="0"/>
@@ -5015,20 +5096,20 @@
           <p:nvPr/>
         </p:nvPicPr>
         <p:blipFill rotWithShape="1">
-          <a:blip r:embed="rId5">
+          <a:blip r:embed="rId6">
             <a:extLst>
               <a:ext uri="{28A0092B-C50C-407E-A947-70E740481C1C}">
                 <a14:useLocalDpi xmlns:a14="http://schemas.microsoft.com/office/drawing/2010/main" val="0"/>
               </a:ext>
             </a:extLst>
           </a:blip>
-          <a:srcRect l="2368" t="3288" r="1106" b="1831"/>
+          <a:srcRect l="1722" t="4517" r="1654" b="3216"/>
           <a:stretch/>
         </p:blipFill>
         <p:spPr bwMode="auto">
           <a:xfrm>
-            <a:off x="899592" y="1079593"/>
-            <a:ext cx="7323435" cy="5393394"/>
+            <a:off x="200829" y="1038610"/>
+            <a:ext cx="8763659" cy="5005665"/>
           </a:xfrm>
           <a:prstGeom prst="rect">
             <a:avLst/>
@@ -5100,7 +5181,7 @@
       </p:grpSpPr>
       <p:pic>
         <p:nvPicPr>
-          <p:cNvPr id="9" name="Рисунок 8"/>
+          <p:cNvPr id="3" name="Рисунок 2"/>
           <p:cNvPicPr>
             <a:picLocks noChangeAspect="1"/>
           </p:cNvPicPr>
@@ -5120,8 +5201,8 @@
         </p:blipFill>
         <p:spPr>
           <a:xfrm>
-            <a:off x="0" y="5733256"/>
-            <a:ext cx="9144000" cy="1124745"/>
+            <a:off x="681037" y="1036607"/>
+            <a:ext cx="7635379" cy="4878418"/>
           </a:xfrm>
           <a:prstGeom prst="rect">
             <a:avLst/>
@@ -5130,7 +5211,7 @@
       </p:pic>
       <p:pic>
         <p:nvPicPr>
-          <p:cNvPr id="8" name="Рисунок 7"/>
+          <p:cNvPr id="9" name="Рисунок 8"/>
           <p:cNvPicPr>
             <a:picLocks noChangeAspect="1"/>
           </p:cNvPicPr>
@@ -5150,8 +5231,8 @@
         </p:blipFill>
         <p:spPr>
           <a:xfrm>
-            <a:off x="864491" y="1075942"/>
-            <a:ext cx="7235901" cy="4783925"/>
+            <a:off x="0" y="5805264"/>
+            <a:ext cx="9144000" cy="1052737"/>
           </a:xfrm>
           <a:prstGeom prst="rect">
             <a:avLst/>
